--- a/AB_Testing_Promosi_Pemasaran.pptx
+++ b/AB_Testing_Promosi_Pemasaran.pptx
@@ -243,7 +243,7 @@
           <a:p>
             <a:fld id="{872BFC85-49E4-447A-A7E3-16153CB2FE2A}" type="datetimeFigureOut">
               <a:rPr lang="en-US" smtClean="0"/>
-              <a:t>11/11/2021</a:t>
+              <a:t>11/12/2021</a:t>
             </a:fld>
             <a:endParaRPr lang="en-US" dirty="0"/>
           </a:p>
@@ -420,7 +420,7 @@
           <a:p>
             <a:fld id="{1071B50E-4C60-4F9E-B773-52059170945B}" type="datetimeFigureOut">
               <a:rPr lang="en-US" noProof="0" smtClean="0"/>
-              <a:t>11/11/2021</a:t>
+              <a:t>11/12/2021</a:t>
             </a:fld>
             <a:endParaRPr lang="en-US" noProof="0" dirty="0"/>
           </a:p>
@@ -21610,8 +21610,8 @@
               <a:t>Berikut</a:t>
             </a:r>
             <a:r>
-              <a:rPr lang="en-ID" dirty="0"/>
-              <a:t> 5 </a:t>
+              <a:rPr lang="en-ID"/>
+              <a:t> 10 </a:t>
             </a:r>
             <a:r>
               <a:rPr lang="en-ID" dirty="0" err="1"/>
@@ -23263,14 +23263,6 @@
 </file>
 
 <file path=customXml/item2.xml><?xml version="1.0" encoding="utf-8"?>
-<p:properties xmlns:p="http://schemas.microsoft.com/office/2006/metadata/properties" xmlns:xsi="http://www.w3.org/2001/XMLSchema-instance" xmlns:pc="http://schemas.microsoft.com/office/infopath/2007/PartnerControls">
-  <documentManagement>
-    <MediaServiceKeyPoints xmlns="71af3243-3dd4-4a8d-8c0d-dd76da1f02a5" xsi:nil="true"/>
-  </documentManagement>
-</p:properties>
-</file>
-
-<file path=customXml/item3.xml><?xml version="1.0" encoding="utf-8"?>
 <ct:contentTypeSchema xmlns:ct="http://schemas.microsoft.com/office/2006/metadata/contentType" xmlns:ma="http://schemas.microsoft.com/office/2006/metadata/properties/metaAttributes" ct:_="" ma:_="" ma:contentTypeName="Document" ma:contentTypeID="0x01010079F111ED35F8CC479449609E8A0923A6" ma:contentTypeVersion="11" ma:contentTypeDescription="Create a new document." ma:contentTypeScope="" ma:versionID="96291512c1ee715ab617f4c07df79fc1">
   <xsd:schema xmlns:xsd="http://www.w3.org/2001/XMLSchema" xmlns:xs="http://www.w3.org/2001/XMLSchema" xmlns:p="http://schemas.microsoft.com/office/2006/metadata/properties" xmlns:ns2="71af3243-3dd4-4a8d-8c0d-dd76da1f02a5" xmlns:ns3="16c05727-aa75-4e4a-9b5f-8a80a1165891" targetNamespace="http://schemas.microsoft.com/office/2006/metadata/properties" ma:root="true" ma:fieldsID="8256c27c40ca5c40ce1cf6c44f0205df" ns2:_="" ns3:_="">
     <xsd:import namespace="71af3243-3dd4-4a8d-8c0d-dd76da1f02a5"/>
@@ -23481,6 +23473,14 @@
 </ct:contentTypeSchema>
 </file>
 
+<file path=customXml/item3.xml><?xml version="1.0" encoding="utf-8"?>
+<p:properties xmlns:p="http://schemas.microsoft.com/office/2006/metadata/properties" xmlns:xsi="http://www.w3.org/2001/XMLSchema-instance" xmlns:pc="http://schemas.microsoft.com/office/infopath/2007/PartnerControls">
+  <documentManagement>
+    <MediaServiceKeyPoints xmlns="71af3243-3dd4-4a8d-8c0d-dd76da1f02a5" xsi:nil="true"/>
+  </documentManagement>
+</p:properties>
+</file>
+
 <file path=customXml/itemProps1.xml><?xml version="1.0" encoding="utf-8"?>
 <ds:datastoreItem xmlns:ds="http://schemas.openxmlformats.org/officeDocument/2006/customXml" ds:itemID="{A80A5AF1-8C57-4290-936E-5FD27C957251}">
   <ds:schemaRefs>
@@ -23490,16 +23490,6 @@
 </file>
 
 <file path=customXml/itemProps2.xml><?xml version="1.0" encoding="utf-8"?>
-<ds:datastoreItem xmlns:ds="http://schemas.openxmlformats.org/officeDocument/2006/customXml" ds:itemID="{C87F4215-C6BB-44A3-9A5E-9446E6835900}">
-  <ds:schemaRefs>
-    <ds:schemaRef ds:uri="http://schemas.microsoft.com/office/2006/metadata/properties"/>
-    <ds:schemaRef ds:uri="http://schemas.microsoft.com/office/infopath/2007/PartnerControls"/>
-    <ds:schemaRef ds:uri="71af3243-3dd4-4a8d-8c0d-dd76da1f02a5"/>
-  </ds:schemaRefs>
-</ds:datastoreItem>
-</file>
-
-<file path=customXml/itemProps3.xml><?xml version="1.0" encoding="utf-8"?>
 <ds:datastoreItem xmlns:ds="http://schemas.openxmlformats.org/officeDocument/2006/customXml" ds:itemID="{8F8919DE-9BD9-47A9-9F5D-16EBB9687974}">
   <ds:schemaRefs>
     <ds:schemaRef ds:uri="http://schemas.microsoft.com/office/2006/metadata/contentType"/>
@@ -23516,4 +23506,14 @@
     <ds:schemaRef ds:uri="http://schemas.microsoft.com/internal/obd"/>
   </ds:schemaRefs>
 </ds:datastoreItem>
+</file>
+
+<file path=customXml/itemProps3.xml><?xml version="1.0" encoding="utf-8"?>
+<ds:datastoreItem xmlns:ds="http://schemas.openxmlformats.org/officeDocument/2006/customXml" ds:itemID="{C87F4215-C6BB-44A3-9A5E-9446E6835900}">
+  <ds:schemaRefs>
+    <ds:schemaRef ds:uri="http://schemas.microsoft.com/office/2006/metadata/properties"/>
+    <ds:schemaRef ds:uri="http://schemas.microsoft.com/office/infopath/2007/PartnerControls"/>
+    <ds:schemaRef ds:uri="71af3243-3dd4-4a8d-8c0d-dd76da1f02a5"/>
+  </ds:schemaRefs>
+</ds:datastoreItem>
 </file>